--- a/Textbooks/Bhāskara II.pptx
+++ b/Textbooks/Bhāskara II.pptx
@@ -514,7 +514,7 @@
             </a:r>
             <a:br/>
             <a:r>
-              <a:t>Knight, 3rd edition, Chapter 17, section 4</a:t>
+              <a:t>Knight, Physics for Scientists and Engineers: A Strategic Approach with Modern Physics, 3rd Edition, Chapter 17, section 4</a:t>
             </a:r>
             <a:br/>
             <a:r>
